--- a/Group1_Awesome_food.pptx
+++ b/Group1_Awesome_food.pptx
@@ -110,6 +110,11 @@
       </a:defRPr>
     </a:lvl9pPr>
   </p:defaultTextStyle>
+  <p:extLst>
+    <p:ext uri="{EFAFB233-063F-42B5-8137-9DF3F51BA10A}">
+      <p15:sldGuideLst xmlns:p15="http://schemas.microsoft.com/office/powerpoint/2012/main"/>
+    </p:ext>
+  </p:extLst>
 </p:presentation>
 </file>
 
@@ -299,7 +304,7 @@
           <a:p>
             <a:fld id="{4AAD347D-5ACD-4C99-B74B-A9C85AD731AF}" type="datetimeFigureOut">
               <a:rPr lang="en-US" dirty="0"/>
-              <a:t>10/16/2018</a:t>
+              <a:t>10/17/2018</a:t>
             </a:fld>
             <a:endParaRPr lang="en-US" dirty="0"/>
           </a:p>
@@ -569,7 +574,7 @@
           <a:p>
             <a:fld id="{4509A250-FF31-4206-8172-F9D3106AACB1}" type="datetimeFigureOut">
               <a:rPr lang="en-US" dirty="0"/>
-              <a:t>10/16/2018</a:t>
+              <a:t>10/17/2018</a:t>
             </a:fld>
             <a:endParaRPr lang="en-US" dirty="0"/>
           </a:p>
@@ -758,7 +763,7 @@
           <a:p>
             <a:fld id="{4509A250-FF31-4206-8172-F9D3106AACB1}" type="datetimeFigureOut">
               <a:rPr lang="en-US" dirty="0"/>
-              <a:t>10/16/2018</a:t>
+              <a:t>10/17/2018</a:t>
             </a:fld>
             <a:endParaRPr lang="en-US" dirty="0"/>
           </a:p>
@@ -1026,7 +1031,7 @@
           <a:p>
             <a:fld id="{4509A250-FF31-4206-8172-F9D3106AACB1}" type="datetimeFigureOut">
               <a:rPr lang="en-US" dirty="0"/>
-              <a:t>10/16/2018</a:t>
+              <a:t>10/17/2018</a:t>
             </a:fld>
             <a:endParaRPr lang="en-US" dirty="0"/>
           </a:p>
@@ -1362,7 +1367,7 @@
           <a:p>
             <a:fld id="{4509A250-FF31-4206-8172-F9D3106AACB1}" type="datetimeFigureOut">
               <a:rPr lang="en-US" dirty="0"/>
-              <a:t>10/16/2018</a:t>
+              <a:t>10/17/2018</a:t>
             </a:fld>
             <a:endParaRPr lang="en-US" dirty="0"/>
           </a:p>
@@ -1980,7 +1985,7 @@
           <a:p>
             <a:fld id="{4509A250-FF31-4206-8172-F9D3106AACB1}" type="datetimeFigureOut">
               <a:rPr lang="en-US" dirty="0"/>
-              <a:t>10/16/2018</a:t>
+              <a:t>10/17/2018</a:t>
             </a:fld>
             <a:endParaRPr lang="en-US" dirty="0"/>
           </a:p>
@@ -2835,7 +2840,7 @@
           <a:p>
             <a:fld id="{4509A250-FF31-4206-8172-F9D3106AACB1}" type="datetimeFigureOut">
               <a:rPr lang="en-US" dirty="0"/>
-              <a:t>10/16/2018</a:t>
+              <a:t>10/17/2018</a:t>
             </a:fld>
             <a:endParaRPr lang="en-US" dirty="0"/>
           </a:p>
@@ -3000,7 +3005,7 @@
           <a:p>
             <a:fld id="{4509A250-FF31-4206-8172-F9D3106AACB1}" type="datetimeFigureOut">
               <a:rPr lang="en-US" dirty="0"/>
-              <a:t>10/16/2018</a:t>
+              <a:t>10/17/2018</a:t>
             </a:fld>
             <a:endParaRPr lang="en-US" dirty="0"/>
           </a:p>
@@ -3175,7 +3180,7 @@
           <a:p>
             <a:fld id="{4509A250-FF31-4206-8172-F9D3106AACB1}" type="datetimeFigureOut">
               <a:rPr lang="en-US" dirty="0"/>
-              <a:t>10/16/2018</a:t>
+              <a:t>10/17/2018</a:t>
             </a:fld>
             <a:endParaRPr lang="en-US" dirty="0"/>
           </a:p>
@@ -3340,7 +3345,7 @@
           <a:p>
             <a:fld id="{4509A250-FF31-4206-8172-F9D3106AACB1}" type="datetimeFigureOut">
               <a:rPr lang="en-US" dirty="0"/>
-              <a:t>10/16/2018</a:t>
+              <a:t>10/17/2018</a:t>
             </a:fld>
             <a:endParaRPr lang="en-US" dirty="0"/>
           </a:p>
@@ -3582,7 +3587,7 @@
           <a:p>
             <a:fld id="{9796027F-7875-4030-9381-8BD8C4F21935}" type="datetimeFigureOut">
               <a:rPr lang="en-US" dirty="0"/>
-              <a:t>10/16/2018</a:t>
+              <a:t>10/17/2018</a:t>
             </a:fld>
             <a:endParaRPr lang="en-US" dirty="0"/>
           </a:p>
@@ -3869,7 +3874,7 @@
           <a:p>
             <a:fld id="{9796027F-7875-4030-9381-8BD8C4F21935}" type="datetimeFigureOut">
               <a:rPr lang="en-US" dirty="0"/>
-              <a:t>10/16/2018</a:t>
+              <a:t>10/17/2018</a:t>
             </a:fld>
             <a:endParaRPr lang="en-US" dirty="0"/>
           </a:p>
@@ -4308,7 +4313,7 @@
           <a:p>
             <a:fld id="{9796027F-7875-4030-9381-8BD8C4F21935}" type="datetimeFigureOut">
               <a:rPr lang="en-US" dirty="0"/>
-              <a:t>10/16/2018</a:t>
+              <a:t>10/17/2018</a:t>
             </a:fld>
             <a:endParaRPr lang="en-US" dirty="0"/>
           </a:p>
@@ -4421,7 +4426,7 @@
           <a:p>
             <a:fld id="{4509A250-FF31-4206-8172-F9D3106AACB1}" type="datetimeFigureOut">
               <a:rPr lang="en-US" dirty="0"/>
-              <a:t>10/16/2018</a:t>
+              <a:t>10/17/2018</a:t>
             </a:fld>
             <a:endParaRPr lang="en-US" dirty="0"/>
           </a:p>
@@ -4511,7 +4516,7 @@
           <a:p>
             <a:fld id="{4509A250-FF31-4206-8172-F9D3106AACB1}" type="datetimeFigureOut">
               <a:rPr lang="en-US" dirty="0"/>
-              <a:t>10/16/2018</a:t>
+              <a:t>10/17/2018</a:t>
             </a:fld>
             <a:endParaRPr lang="en-US" dirty="0"/>
           </a:p>
@@ -4785,7 +4790,7 @@
           <a:p>
             <a:fld id="{4509A250-FF31-4206-8172-F9D3106AACB1}" type="datetimeFigureOut">
               <a:rPr lang="en-US" dirty="0"/>
-              <a:t>10/16/2018</a:t>
+              <a:t>10/17/2018</a:t>
             </a:fld>
             <a:endParaRPr lang="en-US" dirty="0"/>
           </a:p>
@@ -5055,7 +5060,7 @@
           <a:p>
             <a:fld id="{4509A250-FF31-4206-8172-F9D3106AACB1}" type="datetimeFigureOut">
               <a:rPr lang="en-US" dirty="0"/>
-              <a:t>10/16/2018</a:t>
+              <a:t>10/17/2018</a:t>
             </a:fld>
             <a:endParaRPr lang="en-US" dirty="0"/>
           </a:p>
@@ -5479,7 +5484,7 @@
           <a:p>
             <a:fld id="{4AAD347D-5ACD-4C99-B74B-A9C85AD731AF}" type="datetimeFigureOut">
               <a:rPr lang="en-US" dirty="0"/>
-              <a:t>10/16/2018</a:t>
+              <a:t>10/17/2018</a:t>
             </a:fld>
             <a:endParaRPr lang="en-US" dirty="0"/>
           </a:p>
@@ -6582,7 +6587,7 @@
             </a:pPr>
             <a:r>
               <a:rPr lang="en-US" dirty="0"/>
-              <a:t>	In total 10 API calls are implemented. </a:t>
+              <a:t>	In total 11 API calls are implemented. </a:t>
             </a:r>
           </a:p>
           <a:p>
@@ -6590,8 +6595,12 @@
               <a:buNone/>
             </a:pPr>
             <a:r>
-              <a:rPr lang="en-US" dirty="0"/>
-              <a:t>	4 GET requests, 5 POST requests, 1 </a:t>
+              <a:rPr lang="en-US"/>
+              <a:t>	5 </a:t>
+            </a:r>
+            <a:r>
+              <a:rPr lang="en-US" dirty="0"/>
+              <a:t>GET requests, 5 POST requests, 1 </a:t>
             </a:r>
             <a:r>
               <a:rPr lang="en-US" dirty="0" err="1"/>
